--- a/docs/ppt/Blank Slides IPT 2019 - Deep Learning.pptx
+++ b/docs/ppt/Blank Slides IPT 2019 - Deep Learning.pptx
@@ -914,7 +914,7 @@
               </a:spcAft>
               <a:buNone/>
             </a:pPr>
-            <a:endParaRPr/>
+            <a:endParaRPr dirty="0"/>
           </a:p>
         </p:txBody>
       </p:sp>
@@ -6365,7 +6365,7 @@
           </a:prstGeom>
         </p:spPr>
         <p:txBody>
-          <a:bodyPr spcFirstLastPara="1" wrap="square" lIns="91425" tIns="91425" rIns="91425" bIns="91425" anchor="t" anchorCtr="0">
+          <a:bodyPr spcFirstLastPara="1" wrap="square" lIns="91425" tIns="91425" rIns="91425" bIns="91425" anchor="ctr" anchorCtr="0">
             <a:noAutofit/>
           </a:bodyPr>
           <a:lstStyle/>
@@ -6383,7 +6383,7 @@
               <a:buNone/>
             </a:pPr>
             <a:r>
-              <a:rPr lang="es-ES" dirty="0">
+              <a:rPr lang="es-ES" sz="1600" dirty="0">
                 <a:latin typeface="Proxima Nova"/>
                 <a:ea typeface="Proxima Nova"/>
                 <a:cs typeface="Proxima Nova"/>
@@ -6485,7 +6485,7 @@
                 <a:cs typeface="Proxima Nova"/>
                 <a:sym typeface="Proxima Nova"/>
               </a:rPr>
-              <a:t>es mejor que otros métodos?</a:t>
+              <a:t>puede ser mejor que otros métodos?</a:t>
             </a:r>
           </a:p>
           <a:p>

--- a/docs/ppt/Blank Slides IPT 2019 - Deep Learning.pptx
+++ b/docs/ppt/Blank Slides IPT 2019 - Deep Learning.pptx
@@ -5,30 +5,29 @@
     <p:sldMasterId id="2147483659" r:id="rId1"/>
   </p:sldMasterIdLst>
   <p:notesMasterIdLst>
-    <p:notesMasterId r:id="rId6"/>
+    <p:notesMasterId r:id="rId5"/>
   </p:notesMasterIdLst>
   <p:sldIdLst>
     <p:sldId id="256" r:id="rId2"/>
     <p:sldId id="257" r:id="rId3"/>
     <p:sldId id="259" r:id="rId4"/>
-    <p:sldId id="265" r:id="rId5"/>
   </p:sldIdLst>
   <p:sldSz cx="9144000" cy="5143500" type="screen16x9"/>
   <p:notesSz cx="6858000" cy="9144000"/>
   <p:embeddedFontLst>
     <p:embeddedFont>
       <p:font typeface="Lato" panose="020B0604020202020204" charset="0"/>
-      <p:regular r:id="rId7"/>
-      <p:bold r:id="rId8"/>
-      <p:italic r:id="rId9"/>
-      <p:boldItalic r:id="rId10"/>
+      <p:regular r:id="rId6"/>
+      <p:bold r:id="rId7"/>
+      <p:italic r:id="rId8"/>
+      <p:boldItalic r:id="rId9"/>
     </p:embeddedFont>
     <p:embeddedFont>
       <p:font typeface="Proxima Nova" panose="020B0604020202020204" charset="0"/>
-      <p:regular r:id="rId11"/>
-      <p:bold r:id="rId12"/>
-      <p:italic r:id="rId13"/>
-      <p:boldItalic r:id="rId14"/>
+      <p:regular r:id="rId10"/>
+      <p:bold r:id="rId11"/>
+      <p:italic r:id="rId12"/>
+      <p:boldItalic r:id="rId13"/>
     </p:embeddedFont>
   </p:embeddedFontLst>
   <p:defaultTextStyle>
@@ -987,110 +986,6 @@
       <p:sp>
         <p:nvSpPr>
           <p:cNvPr id="80" name="Google Shape;80;g4442283b66_3_21:notes"/>
-          <p:cNvSpPr txBox="1">
-            <a:spLocks noGrp="1"/>
-          </p:cNvSpPr>
-          <p:nvPr>
-            <p:ph type="body" idx="1"/>
-          </p:nvPr>
-        </p:nvSpPr>
-        <p:spPr>
-          <a:xfrm>
-            <a:off x="685800" y="4343400"/>
-            <a:ext cx="5486400" cy="4114800"/>
-          </a:xfrm>
-          <a:prstGeom prst="rect">
-            <a:avLst/>
-          </a:prstGeom>
-        </p:spPr>
-        <p:txBody>
-          <a:bodyPr spcFirstLastPara="1" wrap="square" lIns="91425" tIns="91425" rIns="91425" bIns="91425" anchor="t" anchorCtr="0">
-            <a:noAutofit/>
-          </a:bodyPr>
-          <a:lstStyle/>
-          <a:p>
-            <a:pPr marL="0" lvl="0" indent="0" algn="l" rtl="0">
-              <a:spcBef>
-                <a:spcPts val="0"/>
-              </a:spcBef>
-              <a:spcAft>
-                <a:spcPts val="0"/>
-              </a:spcAft>
-              <a:buNone/>
-            </a:pPr>
-            <a:endParaRPr/>
-          </a:p>
-        </p:txBody>
-      </p:sp>
-    </p:spTree>
-  </p:cSld>
-  <p:clrMapOvr>
-    <a:masterClrMapping/>
-  </p:clrMapOvr>
-</p:notes>
-</file>
-
-<file path=ppt/notesSlides/notesSlide4.xml><?xml version="1.0" encoding="utf-8"?>
-<p:notes xmlns:a="http://schemas.openxmlformats.org/drawingml/2006/main" xmlns:r="http://schemas.openxmlformats.org/officeDocument/2006/relationships" xmlns:p="http://schemas.openxmlformats.org/presentationml/2006/main" showMasterSp="0" showMasterPhAnim="0">
-  <p:cSld>
-    <p:spTree>
-      <p:nvGrpSpPr>
-        <p:cNvPr id="1" name="Shape 118"/>
-        <p:cNvGrpSpPr/>
-        <p:nvPr/>
-      </p:nvGrpSpPr>
-      <p:grpSpPr>
-        <a:xfrm>
-          <a:off x="0" y="0"/>
-          <a:ext cx="0" cy="0"/>
-          <a:chOff x="0" y="0"/>
-          <a:chExt cx="0" cy="0"/>
-        </a:xfrm>
-      </p:grpSpPr>
-      <p:sp>
-        <p:nvSpPr>
-          <p:cNvPr id="119" name="Google Shape;119;g444ac06600_0_45:notes"/>
-          <p:cNvSpPr>
-            <a:spLocks noGrp="1" noRot="1" noChangeAspect="1"/>
-          </p:cNvSpPr>
-          <p:nvPr>
-            <p:ph type="sldImg" idx="2"/>
-          </p:nvPr>
-        </p:nvSpPr>
-        <p:spPr>
-          <a:xfrm>
-            <a:off x="381300" y="685800"/>
-            <a:ext cx="6096000" cy="3429000"/>
-          </a:xfrm>
-          <a:custGeom>
-            <a:avLst/>
-            <a:gdLst/>
-            <a:ahLst/>
-            <a:cxnLst/>
-            <a:rect l="l" t="t" r="r" b="b"/>
-            <a:pathLst>
-              <a:path w="120000" h="120000" extrusionOk="0">
-                <a:moveTo>
-                  <a:pt x="0" y="0"/>
-                </a:moveTo>
-                <a:lnTo>
-                  <a:pt x="120000" y="0"/>
-                </a:lnTo>
-                <a:lnTo>
-                  <a:pt x="120000" y="120000"/>
-                </a:lnTo>
-                <a:lnTo>
-                  <a:pt x="0" y="120000"/>
-                </a:lnTo>
-                <a:close/>
-              </a:path>
-            </a:pathLst>
-          </a:custGeom>
-        </p:spPr>
-      </p:sp>
-      <p:sp>
-        <p:nvSpPr>
-          <p:cNvPr id="120" name="Google Shape;120;g444ac06600_0_45:notes"/>
           <p:cNvSpPr txBox="1">
             <a:spLocks noGrp="1"/>
           </p:cNvSpPr>
@@ -6877,171 +6772,6 @@
 </p:sld>
 </file>
 
-<file path=ppt/slides/slide4.xml><?xml version="1.0" encoding="utf-8"?>
-<p:sld xmlns:a="http://schemas.openxmlformats.org/drawingml/2006/main" xmlns:r="http://schemas.openxmlformats.org/officeDocument/2006/relationships" xmlns:p="http://schemas.openxmlformats.org/presentationml/2006/main">
-  <p:cSld>
-    <p:bg>
-      <p:bgPr>
-        <a:solidFill>
-          <a:srgbClr val="E9E9EE"/>
-        </a:solidFill>
-        <a:effectLst/>
-      </p:bgPr>
-    </p:bg>
-    <p:spTree>
-      <p:nvGrpSpPr>
-        <p:cNvPr id="1" name="Shape 121"/>
-        <p:cNvGrpSpPr/>
-        <p:nvPr/>
-      </p:nvGrpSpPr>
-      <p:grpSpPr>
-        <a:xfrm>
-          <a:off x="0" y="0"/>
-          <a:ext cx="0" cy="0"/>
-          <a:chOff x="0" y="0"/>
-          <a:chExt cx="0" cy="0"/>
-        </a:xfrm>
-      </p:grpSpPr>
-      <p:sp>
-        <p:nvSpPr>
-          <p:cNvPr id="122" name="Google Shape;122;p22"/>
-          <p:cNvSpPr txBox="1">
-            <a:spLocks noGrp="1"/>
-          </p:cNvSpPr>
-          <p:nvPr>
-            <p:ph type="subTitle" idx="1"/>
-          </p:nvPr>
-        </p:nvSpPr>
-        <p:spPr>
-          <a:xfrm>
-            <a:off x="2567425" y="2788430"/>
-            <a:ext cx="3677700" cy="558600"/>
-          </a:xfrm>
-          <a:prstGeom prst="rect">
-            <a:avLst/>
-          </a:prstGeom>
-        </p:spPr>
-        <p:txBody>
-          <a:bodyPr spcFirstLastPara="1" wrap="square" lIns="91425" tIns="91425" rIns="91425" bIns="91425" anchor="t" anchorCtr="0">
-            <a:noAutofit/>
-          </a:bodyPr>
-          <a:lstStyle/>
-          <a:p>
-            <a:pPr marL="0" lvl="0" indent="0" algn="ctr" rtl="0">
-              <a:spcBef>
-                <a:spcPts val="0"/>
-              </a:spcBef>
-              <a:spcAft>
-                <a:spcPts val="0"/>
-              </a:spcAft>
-              <a:buNone/>
-            </a:pPr>
-            <a:r>
-              <a:rPr lang="es" sz="2400">
-                <a:latin typeface="Proxima Nova"/>
-                <a:ea typeface="Proxima Nova"/>
-                <a:cs typeface="Proxima Nova"/>
-                <a:sym typeface="Proxima Nova"/>
-              </a:rPr>
-              <a:t>Gracias por su atención</a:t>
-            </a:r>
-            <a:endParaRPr sz="2400">
-              <a:latin typeface="Proxima Nova"/>
-              <a:ea typeface="Proxima Nova"/>
-              <a:cs typeface="Proxima Nova"/>
-              <a:sym typeface="Proxima Nova"/>
-            </a:endParaRPr>
-          </a:p>
-        </p:txBody>
-      </p:sp>
-      <p:sp>
-        <p:nvSpPr>
-          <p:cNvPr id="123" name="Google Shape;123;p22"/>
-          <p:cNvSpPr txBox="1">
-            <a:spLocks noGrp="1"/>
-          </p:cNvSpPr>
-          <p:nvPr>
-            <p:ph type="ctrTitle"/>
-          </p:nvPr>
-        </p:nvSpPr>
-        <p:spPr>
-          <a:xfrm>
-            <a:off x="1988250" y="1740445"/>
-            <a:ext cx="4953900" cy="1162200"/>
-          </a:xfrm>
-          <a:prstGeom prst="rect">
-            <a:avLst/>
-          </a:prstGeom>
-        </p:spPr>
-        <p:txBody>
-          <a:bodyPr spcFirstLastPara="1" wrap="square" lIns="91425" tIns="91425" rIns="91425" bIns="91425" anchor="b" anchorCtr="0">
-            <a:noAutofit/>
-          </a:bodyPr>
-          <a:lstStyle/>
-          <a:p>
-            <a:pPr marL="0" lvl="0" indent="0" algn="ctr" rtl="0">
-              <a:spcBef>
-                <a:spcPts val="0"/>
-              </a:spcBef>
-              <a:spcAft>
-                <a:spcPts val="0"/>
-              </a:spcAft>
-              <a:buNone/>
-            </a:pPr>
-            <a:r>
-              <a:rPr lang="es" sz="6400">
-                <a:latin typeface="Proxima Nova"/>
-                <a:ea typeface="Proxima Nova"/>
-                <a:cs typeface="Proxima Nova"/>
-                <a:sym typeface="Proxima Nova"/>
-              </a:rPr>
-              <a:t>¿Preguntas?</a:t>
-            </a:r>
-            <a:endParaRPr sz="6400">
-              <a:latin typeface="Proxima Nova"/>
-              <a:ea typeface="Proxima Nova"/>
-              <a:cs typeface="Proxima Nova"/>
-              <a:sym typeface="Proxima Nova"/>
-            </a:endParaRPr>
-          </a:p>
-        </p:txBody>
-      </p:sp>
-      <p:pic>
-        <p:nvPicPr>
-          <p:cNvPr id="124" name="Google Shape;124;p22"/>
-          <p:cNvPicPr preferRelativeResize="0"/>
-          <p:nvPr/>
-        </p:nvPicPr>
-        <p:blipFill>
-          <a:blip r:embed="rId3">
-            <a:alphaModFix/>
-          </a:blip>
-          <a:stretch>
-            <a:fillRect/>
-          </a:stretch>
-        </p:blipFill>
-        <p:spPr>
-          <a:xfrm>
-            <a:off x="4002100" y="4719433"/>
-            <a:ext cx="987400" cy="164875"/>
-          </a:xfrm>
-          <a:prstGeom prst="rect">
-            <a:avLst/>
-          </a:prstGeom>
-          <a:noFill/>
-          <a:ln>
-            <a:noFill/>
-          </a:ln>
-        </p:spPr>
-      </p:pic>
-    </p:spTree>
-  </p:cSld>
-  <p:clrMapOvr>
-    <a:masterClrMapping/>
-  </p:clrMapOvr>
-</p:sld>
-</file>
-
 <file path=ppt/theme/theme1.xml><?xml version="1.0" encoding="utf-8"?>
 <a:theme xmlns:a="http://schemas.openxmlformats.org/drawingml/2006/main" name="Simple Light">
   <a:themeElements>
